--- a/ppt 16-9/0610.耶稣我爱你.pptx
+++ b/ppt 16-9/0610.耶稣我爱你.pptx
@@ -5,7 +5,7 @@
     <p:sldMasterId id="2147483648" r:id="rId1"/>
   </p:sldMasterIdLst>
   <p:sldIdLst>
-    <p:sldId id="2397" r:id="rId2"/>
+    <p:sldId id="2399" r:id="rId2"/>
   </p:sldIdLst>
   <p:sldSz cx="12192000" cy="6858000"/>
   <p:notesSz cx="6858000" cy="9144000"/>
@@ -129,7 +129,7 @@
           <p:cNvPr id="2" name="标题 1">
             <a:extLst>
               <a:ext uri="{FF2B5EF4-FFF2-40B4-BE49-F238E27FC236}">
-                <a16:creationId xmlns:a16="http://schemas.microsoft.com/office/drawing/2014/main" id="{2E5C4368-0304-03A0-C911-A4E73F94D259}"/>
+                <a16:creationId xmlns:a16="http://schemas.microsoft.com/office/drawing/2014/main" id="{77B02275-331D-ABAB-2FF5-9AB7979A8FC3}"/>
               </a:ext>
             </a:extLst>
           </p:cNvPr>
@@ -166,7 +166,7 @@
           <p:cNvPr id="3" name="副标题 2">
             <a:extLst>
               <a:ext uri="{FF2B5EF4-FFF2-40B4-BE49-F238E27FC236}">
-                <a16:creationId xmlns:a16="http://schemas.microsoft.com/office/drawing/2014/main" id="{CAD2D18E-5A04-2C11-02F4-00700BC6BA45}"/>
+                <a16:creationId xmlns:a16="http://schemas.microsoft.com/office/drawing/2014/main" id="{C9FA961C-314B-D62D-7F59-195921568B74}"/>
               </a:ext>
             </a:extLst>
           </p:cNvPr>
@@ -236,7 +236,7 @@
           <p:cNvPr id="4" name="日期占位符 3">
             <a:extLst>
               <a:ext uri="{FF2B5EF4-FFF2-40B4-BE49-F238E27FC236}">
-                <a16:creationId xmlns:a16="http://schemas.microsoft.com/office/drawing/2014/main" id="{5EF7DA31-950E-ADB8-39F3-13E2EDD18222}"/>
+                <a16:creationId xmlns:a16="http://schemas.microsoft.com/office/drawing/2014/main" id="{9445D7C0-1D78-5070-C23E-76C09D8D8CD1}"/>
               </a:ext>
             </a:extLst>
           </p:cNvPr>
@@ -252,7 +252,7 @@
           <a:bodyPr/>
           <a:lstStyle/>
           <a:p>
-            <a:fld id="{ACE079C4-CB1C-420F-B200-D00EEED245A1}" type="datetimeFigureOut">
+            <a:fld id="{F36CF865-2844-41C4-AA51-9D616A4EB87F}" type="datetimeFigureOut">
               <a:rPr lang="zh-CN" altLang="en-US" smtClean="0"/>
               <a:t>2024/3/10</a:t>
             </a:fld>
@@ -265,7 +265,7 @@
           <p:cNvPr id="5" name="页脚占位符 4">
             <a:extLst>
               <a:ext uri="{FF2B5EF4-FFF2-40B4-BE49-F238E27FC236}">
-                <a16:creationId xmlns:a16="http://schemas.microsoft.com/office/drawing/2014/main" id="{2274EDB8-4DF2-2F2F-C316-16471E45BFBF}"/>
+                <a16:creationId xmlns:a16="http://schemas.microsoft.com/office/drawing/2014/main" id="{1A8CEFAB-B341-567D-8D49-17BA043D5FFD}"/>
               </a:ext>
             </a:extLst>
           </p:cNvPr>
@@ -290,7 +290,7 @@
           <p:cNvPr id="6" name="灯片编号占位符 5">
             <a:extLst>
               <a:ext uri="{FF2B5EF4-FFF2-40B4-BE49-F238E27FC236}">
-                <a16:creationId xmlns:a16="http://schemas.microsoft.com/office/drawing/2014/main" id="{AE1863A9-F2E9-5813-EA41-0DA60CBFEB9E}"/>
+                <a16:creationId xmlns:a16="http://schemas.microsoft.com/office/drawing/2014/main" id="{E532AFFA-3F03-96C5-0978-846B48A99121}"/>
               </a:ext>
             </a:extLst>
           </p:cNvPr>
@@ -306,7 +306,7 @@
           <a:bodyPr/>
           <a:lstStyle/>
           <a:p>
-            <a:fld id="{818BDCDD-B061-49DD-9BF2-ECBDB11233BE}" type="slidenum">
+            <a:fld id="{9697AEB6-03FE-410B-A946-4C5AB4791EDD}" type="slidenum">
               <a:rPr lang="zh-CN" altLang="en-US" smtClean="0"/>
               <a:t>‹#›</a:t>
             </a:fld>
@@ -317,7 +317,7 @@
     </p:spTree>
     <p:extLst>
       <p:ext uri="{BB962C8B-B14F-4D97-AF65-F5344CB8AC3E}">
-        <p14:creationId xmlns:p14="http://schemas.microsoft.com/office/powerpoint/2010/main" val="3660595346"/>
+        <p14:creationId xmlns:p14="http://schemas.microsoft.com/office/powerpoint/2010/main" val="2253511892"/>
       </p:ext>
     </p:extLst>
   </p:cSld>
@@ -349,7 +349,7 @@
           <p:cNvPr id="2" name="标题 1">
             <a:extLst>
               <a:ext uri="{FF2B5EF4-FFF2-40B4-BE49-F238E27FC236}">
-                <a16:creationId xmlns:a16="http://schemas.microsoft.com/office/drawing/2014/main" id="{A611A1BF-D701-D71A-C47B-3A8CFDC43A8F}"/>
+                <a16:creationId xmlns:a16="http://schemas.microsoft.com/office/drawing/2014/main" id="{21180EC4-3D4A-B9C5-C263-18DF215AB75A}"/>
               </a:ext>
             </a:extLst>
           </p:cNvPr>
@@ -377,7 +377,7 @@
           <p:cNvPr id="3" name="竖排文字占位符 2">
             <a:extLst>
               <a:ext uri="{FF2B5EF4-FFF2-40B4-BE49-F238E27FC236}">
-                <a16:creationId xmlns:a16="http://schemas.microsoft.com/office/drawing/2014/main" id="{0EC1B1F7-9536-38F2-12AF-9A55291D552A}"/>
+                <a16:creationId xmlns:a16="http://schemas.microsoft.com/office/drawing/2014/main" id="{B295676C-9789-2960-2311-E873EBBDA8BC}"/>
               </a:ext>
             </a:extLst>
           </p:cNvPr>
@@ -434,7 +434,7 @@
           <p:cNvPr id="4" name="日期占位符 3">
             <a:extLst>
               <a:ext uri="{FF2B5EF4-FFF2-40B4-BE49-F238E27FC236}">
-                <a16:creationId xmlns:a16="http://schemas.microsoft.com/office/drawing/2014/main" id="{EA255931-DAED-FDAE-2445-7703DF16C127}"/>
+                <a16:creationId xmlns:a16="http://schemas.microsoft.com/office/drawing/2014/main" id="{B481660F-D12D-E437-D67C-688EDFF809ED}"/>
               </a:ext>
             </a:extLst>
           </p:cNvPr>
@@ -450,7 +450,7 @@
           <a:bodyPr/>
           <a:lstStyle/>
           <a:p>
-            <a:fld id="{ACE079C4-CB1C-420F-B200-D00EEED245A1}" type="datetimeFigureOut">
+            <a:fld id="{F36CF865-2844-41C4-AA51-9D616A4EB87F}" type="datetimeFigureOut">
               <a:rPr lang="zh-CN" altLang="en-US" smtClean="0"/>
               <a:t>2024/3/10</a:t>
             </a:fld>
@@ -463,7 +463,7 @@
           <p:cNvPr id="5" name="页脚占位符 4">
             <a:extLst>
               <a:ext uri="{FF2B5EF4-FFF2-40B4-BE49-F238E27FC236}">
-                <a16:creationId xmlns:a16="http://schemas.microsoft.com/office/drawing/2014/main" id="{4F7318ED-971E-F79E-85DC-30F97495633A}"/>
+                <a16:creationId xmlns:a16="http://schemas.microsoft.com/office/drawing/2014/main" id="{C0AF9ECC-80A3-E44C-5F33-0A5E44A3544B}"/>
               </a:ext>
             </a:extLst>
           </p:cNvPr>
@@ -488,7 +488,7 @@
           <p:cNvPr id="6" name="灯片编号占位符 5">
             <a:extLst>
               <a:ext uri="{FF2B5EF4-FFF2-40B4-BE49-F238E27FC236}">
-                <a16:creationId xmlns:a16="http://schemas.microsoft.com/office/drawing/2014/main" id="{A24F8A0E-048C-9BFB-B26D-0853640A2C9F}"/>
+                <a16:creationId xmlns:a16="http://schemas.microsoft.com/office/drawing/2014/main" id="{A92FAC49-D2F5-3B40-06C3-043ACB927522}"/>
               </a:ext>
             </a:extLst>
           </p:cNvPr>
@@ -504,7 +504,7 @@
           <a:bodyPr/>
           <a:lstStyle/>
           <a:p>
-            <a:fld id="{818BDCDD-B061-49DD-9BF2-ECBDB11233BE}" type="slidenum">
+            <a:fld id="{9697AEB6-03FE-410B-A946-4C5AB4791EDD}" type="slidenum">
               <a:rPr lang="zh-CN" altLang="en-US" smtClean="0"/>
               <a:t>‹#›</a:t>
             </a:fld>
@@ -515,7 +515,7 @@
     </p:spTree>
     <p:extLst>
       <p:ext uri="{BB962C8B-B14F-4D97-AF65-F5344CB8AC3E}">
-        <p14:creationId xmlns:p14="http://schemas.microsoft.com/office/powerpoint/2010/main" val="3286307022"/>
+        <p14:creationId xmlns:p14="http://schemas.microsoft.com/office/powerpoint/2010/main" val="2829175191"/>
       </p:ext>
     </p:extLst>
   </p:cSld>
@@ -547,7 +547,7 @@
           <p:cNvPr id="2" name="竖排标题 1">
             <a:extLst>
               <a:ext uri="{FF2B5EF4-FFF2-40B4-BE49-F238E27FC236}">
-                <a16:creationId xmlns:a16="http://schemas.microsoft.com/office/drawing/2014/main" id="{323D4E03-AA83-C05F-0057-77A2A30EF627}"/>
+                <a16:creationId xmlns:a16="http://schemas.microsoft.com/office/drawing/2014/main" id="{5F4145F6-ABD6-C4A1-70B0-A9E166F6CE04}"/>
               </a:ext>
             </a:extLst>
           </p:cNvPr>
@@ -580,7 +580,7 @@
           <p:cNvPr id="3" name="竖排文字占位符 2">
             <a:extLst>
               <a:ext uri="{FF2B5EF4-FFF2-40B4-BE49-F238E27FC236}">
-                <a16:creationId xmlns:a16="http://schemas.microsoft.com/office/drawing/2014/main" id="{1D9FC1C2-57D6-5F57-9822-8F00900E6A24}"/>
+                <a16:creationId xmlns:a16="http://schemas.microsoft.com/office/drawing/2014/main" id="{1B734B88-645E-E84F-5BEB-EA0136E50F2E}"/>
               </a:ext>
             </a:extLst>
           </p:cNvPr>
@@ -642,7 +642,7 @@
           <p:cNvPr id="4" name="日期占位符 3">
             <a:extLst>
               <a:ext uri="{FF2B5EF4-FFF2-40B4-BE49-F238E27FC236}">
-                <a16:creationId xmlns:a16="http://schemas.microsoft.com/office/drawing/2014/main" id="{5F04A09D-8E42-C9C6-FEDF-CD0C518E53BE}"/>
+                <a16:creationId xmlns:a16="http://schemas.microsoft.com/office/drawing/2014/main" id="{A0AFBEA9-2F01-CFFE-1F0F-6AB6DB9BBE32}"/>
               </a:ext>
             </a:extLst>
           </p:cNvPr>
@@ -658,7 +658,7 @@
           <a:bodyPr/>
           <a:lstStyle/>
           <a:p>
-            <a:fld id="{ACE079C4-CB1C-420F-B200-D00EEED245A1}" type="datetimeFigureOut">
+            <a:fld id="{F36CF865-2844-41C4-AA51-9D616A4EB87F}" type="datetimeFigureOut">
               <a:rPr lang="zh-CN" altLang="en-US" smtClean="0"/>
               <a:t>2024/3/10</a:t>
             </a:fld>
@@ -671,7 +671,7 @@
           <p:cNvPr id="5" name="页脚占位符 4">
             <a:extLst>
               <a:ext uri="{FF2B5EF4-FFF2-40B4-BE49-F238E27FC236}">
-                <a16:creationId xmlns:a16="http://schemas.microsoft.com/office/drawing/2014/main" id="{407AE72A-D1F2-BCFE-3D91-CC9730DACD57}"/>
+                <a16:creationId xmlns:a16="http://schemas.microsoft.com/office/drawing/2014/main" id="{84F9A088-94F2-C1A5-8666-4D9B6FBE9744}"/>
               </a:ext>
             </a:extLst>
           </p:cNvPr>
@@ -696,7 +696,7 @@
           <p:cNvPr id="6" name="灯片编号占位符 5">
             <a:extLst>
               <a:ext uri="{FF2B5EF4-FFF2-40B4-BE49-F238E27FC236}">
-                <a16:creationId xmlns:a16="http://schemas.microsoft.com/office/drawing/2014/main" id="{322555EB-4336-ADF8-66BB-3601ADB54250}"/>
+                <a16:creationId xmlns:a16="http://schemas.microsoft.com/office/drawing/2014/main" id="{F7BA0DBA-A9CF-D1A9-63A6-93EEB33F7FC7}"/>
               </a:ext>
             </a:extLst>
           </p:cNvPr>
@@ -712,7 +712,7 @@
           <a:bodyPr/>
           <a:lstStyle/>
           <a:p>
-            <a:fld id="{818BDCDD-B061-49DD-9BF2-ECBDB11233BE}" type="slidenum">
+            <a:fld id="{9697AEB6-03FE-410B-A946-4C5AB4791EDD}" type="slidenum">
               <a:rPr lang="zh-CN" altLang="en-US" smtClean="0"/>
               <a:t>‹#›</a:t>
             </a:fld>
@@ -723,7 +723,7 @@
     </p:spTree>
     <p:extLst>
       <p:ext uri="{BB962C8B-B14F-4D97-AF65-F5344CB8AC3E}">
-        <p14:creationId xmlns:p14="http://schemas.microsoft.com/office/powerpoint/2010/main" val="2204941841"/>
+        <p14:creationId xmlns:p14="http://schemas.microsoft.com/office/powerpoint/2010/main" val="2392535436"/>
       </p:ext>
     </p:extLst>
   </p:cSld>
@@ -755,7 +755,7 @@
           <p:cNvPr id="2" name="标题 1">
             <a:extLst>
               <a:ext uri="{FF2B5EF4-FFF2-40B4-BE49-F238E27FC236}">
-                <a16:creationId xmlns:a16="http://schemas.microsoft.com/office/drawing/2014/main" id="{63DEC2DC-6A13-D45E-5105-F8F4C6350CD5}"/>
+                <a16:creationId xmlns:a16="http://schemas.microsoft.com/office/drawing/2014/main" id="{8EB30D5F-A498-2CF5-4450-A3D0DC095EF7}"/>
               </a:ext>
             </a:extLst>
           </p:cNvPr>
@@ -783,7 +783,7 @@
           <p:cNvPr id="3" name="内容占位符 2">
             <a:extLst>
               <a:ext uri="{FF2B5EF4-FFF2-40B4-BE49-F238E27FC236}">
-                <a16:creationId xmlns:a16="http://schemas.microsoft.com/office/drawing/2014/main" id="{5838B9A6-663C-1E9B-6BBC-C57C9AD18F0B}"/>
+                <a16:creationId xmlns:a16="http://schemas.microsoft.com/office/drawing/2014/main" id="{F3E357EA-9CDF-2B62-E8D0-AB08DEF9F825}"/>
               </a:ext>
             </a:extLst>
           </p:cNvPr>
@@ -840,7 +840,7 @@
           <p:cNvPr id="4" name="日期占位符 3">
             <a:extLst>
               <a:ext uri="{FF2B5EF4-FFF2-40B4-BE49-F238E27FC236}">
-                <a16:creationId xmlns:a16="http://schemas.microsoft.com/office/drawing/2014/main" id="{0486A574-6588-019C-2BD1-C314E7C2192F}"/>
+                <a16:creationId xmlns:a16="http://schemas.microsoft.com/office/drawing/2014/main" id="{73FB03FC-E91E-C51E-0BAD-CFAB248C4D93}"/>
               </a:ext>
             </a:extLst>
           </p:cNvPr>
@@ -856,7 +856,7 @@
           <a:bodyPr/>
           <a:lstStyle/>
           <a:p>
-            <a:fld id="{ACE079C4-CB1C-420F-B200-D00EEED245A1}" type="datetimeFigureOut">
+            <a:fld id="{F36CF865-2844-41C4-AA51-9D616A4EB87F}" type="datetimeFigureOut">
               <a:rPr lang="zh-CN" altLang="en-US" smtClean="0"/>
               <a:t>2024/3/10</a:t>
             </a:fld>
@@ -869,7 +869,7 @@
           <p:cNvPr id="5" name="页脚占位符 4">
             <a:extLst>
               <a:ext uri="{FF2B5EF4-FFF2-40B4-BE49-F238E27FC236}">
-                <a16:creationId xmlns:a16="http://schemas.microsoft.com/office/drawing/2014/main" id="{87C42391-488E-DBC6-E7E0-E73895AE907F}"/>
+                <a16:creationId xmlns:a16="http://schemas.microsoft.com/office/drawing/2014/main" id="{EA59F594-871F-D8C1-9EAE-743C9AA2C93F}"/>
               </a:ext>
             </a:extLst>
           </p:cNvPr>
@@ -894,7 +894,7 @@
           <p:cNvPr id="6" name="灯片编号占位符 5">
             <a:extLst>
               <a:ext uri="{FF2B5EF4-FFF2-40B4-BE49-F238E27FC236}">
-                <a16:creationId xmlns:a16="http://schemas.microsoft.com/office/drawing/2014/main" id="{C32F4440-8377-7925-989A-657C85771E2F}"/>
+                <a16:creationId xmlns:a16="http://schemas.microsoft.com/office/drawing/2014/main" id="{FC0CD27A-52AD-D2A6-828F-D5F45430DC40}"/>
               </a:ext>
             </a:extLst>
           </p:cNvPr>
@@ -910,7 +910,7 @@
           <a:bodyPr/>
           <a:lstStyle/>
           <a:p>
-            <a:fld id="{818BDCDD-B061-49DD-9BF2-ECBDB11233BE}" type="slidenum">
+            <a:fld id="{9697AEB6-03FE-410B-A946-4C5AB4791EDD}" type="slidenum">
               <a:rPr lang="zh-CN" altLang="en-US" smtClean="0"/>
               <a:t>‹#›</a:t>
             </a:fld>
@@ -921,7 +921,7 @@
     </p:spTree>
     <p:extLst>
       <p:ext uri="{BB962C8B-B14F-4D97-AF65-F5344CB8AC3E}">
-        <p14:creationId xmlns:p14="http://schemas.microsoft.com/office/powerpoint/2010/main" val="2113291565"/>
+        <p14:creationId xmlns:p14="http://schemas.microsoft.com/office/powerpoint/2010/main" val="3695716132"/>
       </p:ext>
     </p:extLst>
   </p:cSld>
@@ -953,7 +953,7 @@
           <p:cNvPr id="2" name="标题 1">
             <a:extLst>
               <a:ext uri="{FF2B5EF4-FFF2-40B4-BE49-F238E27FC236}">
-                <a16:creationId xmlns:a16="http://schemas.microsoft.com/office/drawing/2014/main" id="{0F881749-B2C7-C822-D0E0-52569ED26790}"/>
+                <a16:creationId xmlns:a16="http://schemas.microsoft.com/office/drawing/2014/main" id="{9AB54C1C-755E-1564-3BB6-F8D445FB5C12}"/>
               </a:ext>
             </a:extLst>
           </p:cNvPr>
@@ -990,7 +990,7 @@
           <p:cNvPr id="3" name="文本占位符 2">
             <a:extLst>
               <a:ext uri="{FF2B5EF4-FFF2-40B4-BE49-F238E27FC236}">
-                <a16:creationId xmlns:a16="http://schemas.microsoft.com/office/drawing/2014/main" id="{A5764D4E-6D16-FAC4-CE42-9FA0B0583161}"/>
+                <a16:creationId xmlns:a16="http://schemas.microsoft.com/office/drawing/2014/main" id="{8F43B7FC-16FC-7516-E218-47FA24742A59}"/>
               </a:ext>
             </a:extLst>
           </p:cNvPr>
@@ -1115,7 +1115,7 @@
           <p:cNvPr id="4" name="日期占位符 3">
             <a:extLst>
               <a:ext uri="{FF2B5EF4-FFF2-40B4-BE49-F238E27FC236}">
-                <a16:creationId xmlns:a16="http://schemas.microsoft.com/office/drawing/2014/main" id="{E62D34ED-A365-FEAE-A547-3FE093F18808}"/>
+                <a16:creationId xmlns:a16="http://schemas.microsoft.com/office/drawing/2014/main" id="{4EFD1F89-A55A-1887-D292-BB95B0AF08BD}"/>
               </a:ext>
             </a:extLst>
           </p:cNvPr>
@@ -1131,7 +1131,7 @@
           <a:bodyPr/>
           <a:lstStyle/>
           <a:p>
-            <a:fld id="{ACE079C4-CB1C-420F-B200-D00EEED245A1}" type="datetimeFigureOut">
+            <a:fld id="{F36CF865-2844-41C4-AA51-9D616A4EB87F}" type="datetimeFigureOut">
               <a:rPr lang="zh-CN" altLang="en-US" smtClean="0"/>
               <a:t>2024/3/10</a:t>
             </a:fld>
@@ -1144,7 +1144,7 @@
           <p:cNvPr id="5" name="页脚占位符 4">
             <a:extLst>
               <a:ext uri="{FF2B5EF4-FFF2-40B4-BE49-F238E27FC236}">
-                <a16:creationId xmlns:a16="http://schemas.microsoft.com/office/drawing/2014/main" id="{F3F17462-45E5-DC7B-A939-BD7CEFFD28B0}"/>
+                <a16:creationId xmlns:a16="http://schemas.microsoft.com/office/drawing/2014/main" id="{31CDA4CA-F262-5A62-F363-2956CEC18F51}"/>
               </a:ext>
             </a:extLst>
           </p:cNvPr>
@@ -1169,7 +1169,7 @@
           <p:cNvPr id="6" name="灯片编号占位符 5">
             <a:extLst>
               <a:ext uri="{FF2B5EF4-FFF2-40B4-BE49-F238E27FC236}">
-                <a16:creationId xmlns:a16="http://schemas.microsoft.com/office/drawing/2014/main" id="{EA4026CF-8806-E894-C16E-36B4101018AC}"/>
+                <a16:creationId xmlns:a16="http://schemas.microsoft.com/office/drawing/2014/main" id="{1E8EDD24-D01B-EE75-BEE1-3EA5A7198B8D}"/>
               </a:ext>
             </a:extLst>
           </p:cNvPr>
@@ -1185,7 +1185,7 @@
           <a:bodyPr/>
           <a:lstStyle/>
           <a:p>
-            <a:fld id="{818BDCDD-B061-49DD-9BF2-ECBDB11233BE}" type="slidenum">
+            <a:fld id="{9697AEB6-03FE-410B-A946-4C5AB4791EDD}" type="slidenum">
               <a:rPr lang="zh-CN" altLang="en-US" smtClean="0"/>
               <a:t>‹#›</a:t>
             </a:fld>
@@ -1196,7 +1196,7 @@
     </p:spTree>
     <p:extLst>
       <p:ext uri="{BB962C8B-B14F-4D97-AF65-F5344CB8AC3E}">
-        <p14:creationId xmlns:p14="http://schemas.microsoft.com/office/powerpoint/2010/main" val="3983106854"/>
+        <p14:creationId xmlns:p14="http://schemas.microsoft.com/office/powerpoint/2010/main" val="620652118"/>
       </p:ext>
     </p:extLst>
   </p:cSld>
@@ -1228,7 +1228,7 @@
           <p:cNvPr id="2" name="标题 1">
             <a:extLst>
               <a:ext uri="{FF2B5EF4-FFF2-40B4-BE49-F238E27FC236}">
-                <a16:creationId xmlns:a16="http://schemas.microsoft.com/office/drawing/2014/main" id="{3A41C3DC-0A35-82EB-BB41-B91642FAD039}"/>
+                <a16:creationId xmlns:a16="http://schemas.microsoft.com/office/drawing/2014/main" id="{D1DD6FFF-04B9-4C5F-A4BB-B83DA7CBD98E}"/>
               </a:ext>
             </a:extLst>
           </p:cNvPr>
@@ -1256,7 +1256,7 @@
           <p:cNvPr id="3" name="内容占位符 2">
             <a:extLst>
               <a:ext uri="{FF2B5EF4-FFF2-40B4-BE49-F238E27FC236}">
-                <a16:creationId xmlns:a16="http://schemas.microsoft.com/office/drawing/2014/main" id="{03D9C703-3221-DD91-EA23-9B19AF253093}"/>
+                <a16:creationId xmlns:a16="http://schemas.microsoft.com/office/drawing/2014/main" id="{1B4C71D8-986F-0011-5595-8F79DB16D10D}"/>
               </a:ext>
             </a:extLst>
           </p:cNvPr>
@@ -1318,7 +1318,7 @@
           <p:cNvPr id="4" name="内容占位符 3">
             <a:extLst>
               <a:ext uri="{FF2B5EF4-FFF2-40B4-BE49-F238E27FC236}">
-                <a16:creationId xmlns:a16="http://schemas.microsoft.com/office/drawing/2014/main" id="{8BFB4DD7-36C6-C9BF-9D9B-D75A6A132EB8}"/>
+                <a16:creationId xmlns:a16="http://schemas.microsoft.com/office/drawing/2014/main" id="{B3832FF4-6EEB-881C-7320-37A46A19C77B}"/>
               </a:ext>
             </a:extLst>
           </p:cNvPr>
@@ -1380,7 +1380,7 @@
           <p:cNvPr id="5" name="日期占位符 4">
             <a:extLst>
               <a:ext uri="{FF2B5EF4-FFF2-40B4-BE49-F238E27FC236}">
-                <a16:creationId xmlns:a16="http://schemas.microsoft.com/office/drawing/2014/main" id="{B522BF2F-583D-02F8-D328-6E875931620C}"/>
+                <a16:creationId xmlns:a16="http://schemas.microsoft.com/office/drawing/2014/main" id="{4C07AA88-78C8-BE4A-309C-33CD7147348F}"/>
               </a:ext>
             </a:extLst>
           </p:cNvPr>
@@ -1396,7 +1396,7 @@
           <a:bodyPr/>
           <a:lstStyle/>
           <a:p>
-            <a:fld id="{ACE079C4-CB1C-420F-B200-D00EEED245A1}" type="datetimeFigureOut">
+            <a:fld id="{F36CF865-2844-41C4-AA51-9D616A4EB87F}" type="datetimeFigureOut">
               <a:rPr lang="zh-CN" altLang="en-US" smtClean="0"/>
               <a:t>2024/3/10</a:t>
             </a:fld>
@@ -1409,7 +1409,7 @@
           <p:cNvPr id="6" name="页脚占位符 5">
             <a:extLst>
               <a:ext uri="{FF2B5EF4-FFF2-40B4-BE49-F238E27FC236}">
-                <a16:creationId xmlns:a16="http://schemas.microsoft.com/office/drawing/2014/main" id="{F4921939-66F9-DB28-860A-2DA7FC6EEA0D}"/>
+                <a16:creationId xmlns:a16="http://schemas.microsoft.com/office/drawing/2014/main" id="{DD5B9709-95C9-D497-F5B8-6CDCB2028990}"/>
               </a:ext>
             </a:extLst>
           </p:cNvPr>
@@ -1434,7 +1434,7 @@
           <p:cNvPr id="7" name="灯片编号占位符 6">
             <a:extLst>
               <a:ext uri="{FF2B5EF4-FFF2-40B4-BE49-F238E27FC236}">
-                <a16:creationId xmlns:a16="http://schemas.microsoft.com/office/drawing/2014/main" id="{563087C5-55B7-C663-024C-360AD6D6CDA7}"/>
+                <a16:creationId xmlns:a16="http://schemas.microsoft.com/office/drawing/2014/main" id="{B3D637D3-E89A-DCC9-AB06-FEBB7259E2DA}"/>
               </a:ext>
             </a:extLst>
           </p:cNvPr>
@@ -1450,7 +1450,7 @@
           <a:bodyPr/>
           <a:lstStyle/>
           <a:p>
-            <a:fld id="{818BDCDD-B061-49DD-9BF2-ECBDB11233BE}" type="slidenum">
+            <a:fld id="{9697AEB6-03FE-410B-A946-4C5AB4791EDD}" type="slidenum">
               <a:rPr lang="zh-CN" altLang="en-US" smtClean="0"/>
               <a:t>‹#›</a:t>
             </a:fld>
@@ -1461,7 +1461,7 @@
     </p:spTree>
     <p:extLst>
       <p:ext uri="{BB962C8B-B14F-4D97-AF65-F5344CB8AC3E}">
-        <p14:creationId xmlns:p14="http://schemas.microsoft.com/office/powerpoint/2010/main" val="1768847800"/>
+        <p14:creationId xmlns:p14="http://schemas.microsoft.com/office/powerpoint/2010/main" val="3583448220"/>
       </p:ext>
     </p:extLst>
   </p:cSld>
@@ -1493,7 +1493,7 @@
           <p:cNvPr id="2" name="标题 1">
             <a:extLst>
               <a:ext uri="{FF2B5EF4-FFF2-40B4-BE49-F238E27FC236}">
-                <a16:creationId xmlns:a16="http://schemas.microsoft.com/office/drawing/2014/main" id="{DAC1DB50-ABB1-08AD-E966-D0D54284C21A}"/>
+                <a16:creationId xmlns:a16="http://schemas.microsoft.com/office/drawing/2014/main" id="{E9F93645-7C68-BA53-CC0E-9FD8FF7407C3}"/>
               </a:ext>
             </a:extLst>
           </p:cNvPr>
@@ -1526,7 +1526,7 @@
           <p:cNvPr id="3" name="文本占位符 2">
             <a:extLst>
               <a:ext uri="{FF2B5EF4-FFF2-40B4-BE49-F238E27FC236}">
-                <a16:creationId xmlns:a16="http://schemas.microsoft.com/office/drawing/2014/main" id="{459BF81D-51F8-1B0B-2875-0333E969B01C}"/>
+                <a16:creationId xmlns:a16="http://schemas.microsoft.com/office/drawing/2014/main" id="{F178AA57-D144-4921-3CF3-EC8898ACCE08}"/>
               </a:ext>
             </a:extLst>
           </p:cNvPr>
@@ -1597,7 +1597,7 @@
           <p:cNvPr id="4" name="内容占位符 3">
             <a:extLst>
               <a:ext uri="{FF2B5EF4-FFF2-40B4-BE49-F238E27FC236}">
-                <a16:creationId xmlns:a16="http://schemas.microsoft.com/office/drawing/2014/main" id="{376BE82E-BB74-E43E-20CB-BC645EBBFFD8}"/>
+                <a16:creationId xmlns:a16="http://schemas.microsoft.com/office/drawing/2014/main" id="{167A5310-BC15-7A80-EB4E-6FB1F95FF1A1}"/>
               </a:ext>
             </a:extLst>
           </p:cNvPr>
@@ -1659,7 +1659,7 @@
           <p:cNvPr id="5" name="文本占位符 4">
             <a:extLst>
               <a:ext uri="{FF2B5EF4-FFF2-40B4-BE49-F238E27FC236}">
-                <a16:creationId xmlns:a16="http://schemas.microsoft.com/office/drawing/2014/main" id="{271CC381-504A-052F-E8DA-F1E3E3AA1093}"/>
+                <a16:creationId xmlns:a16="http://schemas.microsoft.com/office/drawing/2014/main" id="{A50C77F8-AA0F-79B8-A2FA-D3F242942E76}"/>
               </a:ext>
             </a:extLst>
           </p:cNvPr>
@@ -1730,7 +1730,7 @@
           <p:cNvPr id="6" name="内容占位符 5">
             <a:extLst>
               <a:ext uri="{FF2B5EF4-FFF2-40B4-BE49-F238E27FC236}">
-                <a16:creationId xmlns:a16="http://schemas.microsoft.com/office/drawing/2014/main" id="{D2684DC1-7B23-6B20-4A91-D545CA5078A6}"/>
+                <a16:creationId xmlns:a16="http://schemas.microsoft.com/office/drawing/2014/main" id="{4DE87934-A901-544B-E268-F14D4E1A519D}"/>
               </a:ext>
             </a:extLst>
           </p:cNvPr>
@@ -1792,7 +1792,7 @@
           <p:cNvPr id="7" name="日期占位符 6">
             <a:extLst>
               <a:ext uri="{FF2B5EF4-FFF2-40B4-BE49-F238E27FC236}">
-                <a16:creationId xmlns:a16="http://schemas.microsoft.com/office/drawing/2014/main" id="{A7001593-14ED-D369-C086-4E1B81B8D95B}"/>
+                <a16:creationId xmlns:a16="http://schemas.microsoft.com/office/drawing/2014/main" id="{DCC28D5C-EFE2-CC5E-3B5A-AEA109066DB8}"/>
               </a:ext>
             </a:extLst>
           </p:cNvPr>
@@ -1808,7 +1808,7 @@
           <a:bodyPr/>
           <a:lstStyle/>
           <a:p>
-            <a:fld id="{ACE079C4-CB1C-420F-B200-D00EEED245A1}" type="datetimeFigureOut">
+            <a:fld id="{F36CF865-2844-41C4-AA51-9D616A4EB87F}" type="datetimeFigureOut">
               <a:rPr lang="zh-CN" altLang="en-US" smtClean="0"/>
               <a:t>2024/3/10</a:t>
             </a:fld>
@@ -1821,7 +1821,7 @@
           <p:cNvPr id="8" name="页脚占位符 7">
             <a:extLst>
               <a:ext uri="{FF2B5EF4-FFF2-40B4-BE49-F238E27FC236}">
-                <a16:creationId xmlns:a16="http://schemas.microsoft.com/office/drawing/2014/main" id="{F3EC2FD2-E9E2-3533-8C6D-370A34248E5B}"/>
+                <a16:creationId xmlns:a16="http://schemas.microsoft.com/office/drawing/2014/main" id="{76750072-9210-3E8D-3224-37D08F340365}"/>
               </a:ext>
             </a:extLst>
           </p:cNvPr>
@@ -1846,7 +1846,7 @@
           <p:cNvPr id="9" name="灯片编号占位符 8">
             <a:extLst>
               <a:ext uri="{FF2B5EF4-FFF2-40B4-BE49-F238E27FC236}">
-                <a16:creationId xmlns:a16="http://schemas.microsoft.com/office/drawing/2014/main" id="{F88CB46E-45C4-918F-A17F-E211EF396B18}"/>
+                <a16:creationId xmlns:a16="http://schemas.microsoft.com/office/drawing/2014/main" id="{191558E4-01C3-FDEC-E860-F5FB23309C95}"/>
               </a:ext>
             </a:extLst>
           </p:cNvPr>
@@ -1862,7 +1862,7 @@
           <a:bodyPr/>
           <a:lstStyle/>
           <a:p>
-            <a:fld id="{818BDCDD-B061-49DD-9BF2-ECBDB11233BE}" type="slidenum">
+            <a:fld id="{9697AEB6-03FE-410B-A946-4C5AB4791EDD}" type="slidenum">
               <a:rPr lang="zh-CN" altLang="en-US" smtClean="0"/>
               <a:t>‹#›</a:t>
             </a:fld>
@@ -1873,7 +1873,7 @@
     </p:spTree>
     <p:extLst>
       <p:ext uri="{BB962C8B-B14F-4D97-AF65-F5344CB8AC3E}">
-        <p14:creationId xmlns:p14="http://schemas.microsoft.com/office/powerpoint/2010/main" val="2753627609"/>
+        <p14:creationId xmlns:p14="http://schemas.microsoft.com/office/powerpoint/2010/main" val="439795178"/>
       </p:ext>
     </p:extLst>
   </p:cSld>
@@ -1905,7 +1905,7 @@
           <p:cNvPr id="2" name="标题 1">
             <a:extLst>
               <a:ext uri="{FF2B5EF4-FFF2-40B4-BE49-F238E27FC236}">
-                <a16:creationId xmlns:a16="http://schemas.microsoft.com/office/drawing/2014/main" id="{D97915FE-7DBD-7FAF-FEC4-997695D9F7AC}"/>
+                <a16:creationId xmlns:a16="http://schemas.microsoft.com/office/drawing/2014/main" id="{A154F1E9-327F-5BCD-EE02-6262CF7F8769}"/>
               </a:ext>
             </a:extLst>
           </p:cNvPr>
@@ -1933,7 +1933,7 @@
           <p:cNvPr id="3" name="日期占位符 2">
             <a:extLst>
               <a:ext uri="{FF2B5EF4-FFF2-40B4-BE49-F238E27FC236}">
-                <a16:creationId xmlns:a16="http://schemas.microsoft.com/office/drawing/2014/main" id="{570B88C3-15FB-69CC-684E-1EF6B5A3ECCC}"/>
+                <a16:creationId xmlns:a16="http://schemas.microsoft.com/office/drawing/2014/main" id="{4449A867-451C-2103-798A-91F05EB90D86}"/>
               </a:ext>
             </a:extLst>
           </p:cNvPr>
@@ -1949,7 +1949,7 @@
           <a:bodyPr/>
           <a:lstStyle/>
           <a:p>
-            <a:fld id="{ACE079C4-CB1C-420F-B200-D00EEED245A1}" type="datetimeFigureOut">
+            <a:fld id="{F36CF865-2844-41C4-AA51-9D616A4EB87F}" type="datetimeFigureOut">
               <a:rPr lang="zh-CN" altLang="en-US" smtClean="0"/>
               <a:t>2024/3/10</a:t>
             </a:fld>
@@ -1962,7 +1962,7 @@
           <p:cNvPr id="4" name="页脚占位符 3">
             <a:extLst>
               <a:ext uri="{FF2B5EF4-FFF2-40B4-BE49-F238E27FC236}">
-                <a16:creationId xmlns:a16="http://schemas.microsoft.com/office/drawing/2014/main" id="{35CAB251-F779-E19F-EA80-51411D5B4D8E}"/>
+                <a16:creationId xmlns:a16="http://schemas.microsoft.com/office/drawing/2014/main" id="{3D5849B5-AD0C-172F-2F32-FB751C4CDBE9}"/>
               </a:ext>
             </a:extLst>
           </p:cNvPr>
@@ -1987,7 +1987,7 @@
           <p:cNvPr id="5" name="灯片编号占位符 4">
             <a:extLst>
               <a:ext uri="{FF2B5EF4-FFF2-40B4-BE49-F238E27FC236}">
-                <a16:creationId xmlns:a16="http://schemas.microsoft.com/office/drawing/2014/main" id="{513705B3-E85F-17F5-8DAD-09999EDE50D1}"/>
+                <a16:creationId xmlns:a16="http://schemas.microsoft.com/office/drawing/2014/main" id="{1B05D94B-EC02-6A0D-A9C6-B64EFC832C3B}"/>
               </a:ext>
             </a:extLst>
           </p:cNvPr>
@@ -2003,7 +2003,7 @@
           <a:bodyPr/>
           <a:lstStyle/>
           <a:p>
-            <a:fld id="{818BDCDD-B061-49DD-9BF2-ECBDB11233BE}" type="slidenum">
+            <a:fld id="{9697AEB6-03FE-410B-A946-4C5AB4791EDD}" type="slidenum">
               <a:rPr lang="zh-CN" altLang="en-US" smtClean="0"/>
               <a:t>‹#›</a:t>
             </a:fld>
@@ -2014,7 +2014,7 @@
     </p:spTree>
     <p:extLst>
       <p:ext uri="{BB962C8B-B14F-4D97-AF65-F5344CB8AC3E}">
-        <p14:creationId xmlns:p14="http://schemas.microsoft.com/office/powerpoint/2010/main" val="4077055586"/>
+        <p14:creationId xmlns:p14="http://schemas.microsoft.com/office/powerpoint/2010/main" val="4024299802"/>
       </p:ext>
     </p:extLst>
   </p:cSld>
@@ -2046,7 +2046,7 @@
           <p:cNvPr id="2" name="日期占位符 1">
             <a:extLst>
               <a:ext uri="{FF2B5EF4-FFF2-40B4-BE49-F238E27FC236}">
-                <a16:creationId xmlns:a16="http://schemas.microsoft.com/office/drawing/2014/main" id="{BCEB96BF-908E-FBC8-581F-3F9402F1287B}"/>
+                <a16:creationId xmlns:a16="http://schemas.microsoft.com/office/drawing/2014/main" id="{6D23A2EE-EB34-BBBF-56D8-AAE25B24E9BB}"/>
               </a:ext>
             </a:extLst>
           </p:cNvPr>
@@ -2062,7 +2062,7 @@
           <a:bodyPr/>
           <a:lstStyle/>
           <a:p>
-            <a:fld id="{ACE079C4-CB1C-420F-B200-D00EEED245A1}" type="datetimeFigureOut">
+            <a:fld id="{F36CF865-2844-41C4-AA51-9D616A4EB87F}" type="datetimeFigureOut">
               <a:rPr lang="zh-CN" altLang="en-US" smtClean="0"/>
               <a:t>2024/3/10</a:t>
             </a:fld>
@@ -2075,7 +2075,7 @@
           <p:cNvPr id="3" name="页脚占位符 2">
             <a:extLst>
               <a:ext uri="{FF2B5EF4-FFF2-40B4-BE49-F238E27FC236}">
-                <a16:creationId xmlns:a16="http://schemas.microsoft.com/office/drawing/2014/main" id="{7F4F2037-17EA-ACC8-3415-4730D0C9A1EF}"/>
+                <a16:creationId xmlns:a16="http://schemas.microsoft.com/office/drawing/2014/main" id="{1488FA40-594D-5541-2144-57DC33637DEC}"/>
               </a:ext>
             </a:extLst>
           </p:cNvPr>
@@ -2100,7 +2100,7 @@
           <p:cNvPr id="4" name="灯片编号占位符 3">
             <a:extLst>
               <a:ext uri="{FF2B5EF4-FFF2-40B4-BE49-F238E27FC236}">
-                <a16:creationId xmlns:a16="http://schemas.microsoft.com/office/drawing/2014/main" id="{6D40F710-B4D7-BE6E-471D-D773A7C4D7EC}"/>
+                <a16:creationId xmlns:a16="http://schemas.microsoft.com/office/drawing/2014/main" id="{1129F77C-F407-F42A-C5E5-45E55887E0A2}"/>
               </a:ext>
             </a:extLst>
           </p:cNvPr>
@@ -2116,7 +2116,7 @@
           <a:bodyPr/>
           <a:lstStyle/>
           <a:p>
-            <a:fld id="{818BDCDD-B061-49DD-9BF2-ECBDB11233BE}" type="slidenum">
+            <a:fld id="{9697AEB6-03FE-410B-A946-4C5AB4791EDD}" type="slidenum">
               <a:rPr lang="zh-CN" altLang="en-US" smtClean="0"/>
               <a:t>‹#›</a:t>
             </a:fld>
@@ -2127,7 +2127,7 @@
     </p:spTree>
     <p:extLst>
       <p:ext uri="{BB962C8B-B14F-4D97-AF65-F5344CB8AC3E}">
-        <p14:creationId xmlns:p14="http://schemas.microsoft.com/office/powerpoint/2010/main" val="907027553"/>
+        <p14:creationId xmlns:p14="http://schemas.microsoft.com/office/powerpoint/2010/main" val="524526015"/>
       </p:ext>
     </p:extLst>
   </p:cSld>
@@ -2159,7 +2159,7 @@
           <p:cNvPr id="2" name="标题 1">
             <a:extLst>
               <a:ext uri="{FF2B5EF4-FFF2-40B4-BE49-F238E27FC236}">
-                <a16:creationId xmlns:a16="http://schemas.microsoft.com/office/drawing/2014/main" id="{5EF88814-6699-725C-9F79-8E28EDF8929F}"/>
+                <a16:creationId xmlns:a16="http://schemas.microsoft.com/office/drawing/2014/main" id="{64090E05-9B90-0C07-23E7-19097ECF63FE}"/>
               </a:ext>
             </a:extLst>
           </p:cNvPr>
@@ -2196,7 +2196,7 @@
           <p:cNvPr id="3" name="内容占位符 2">
             <a:extLst>
               <a:ext uri="{FF2B5EF4-FFF2-40B4-BE49-F238E27FC236}">
-                <a16:creationId xmlns:a16="http://schemas.microsoft.com/office/drawing/2014/main" id="{A078087F-455B-053E-CF82-AE34EB2BDE09}"/>
+                <a16:creationId xmlns:a16="http://schemas.microsoft.com/office/drawing/2014/main" id="{DC3A0FCC-6F80-BACC-D5E6-44263F01414B}"/>
               </a:ext>
             </a:extLst>
           </p:cNvPr>
@@ -2286,7 +2286,7 @@
           <p:cNvPr id="4" name="文本占位符 3">
             <a:extLst>
               <a:ext uri="{FF2B5EF4-FFF2-40B4-BE49-F238E27FC236}">
-                <a16:creationId xmlns:a16="http://schemas.microsoft.com/office/drawing/2014/main" id="{512323EF-030B-CD1E-6067-9589EA597CD5}"/>
+                <a16:creationId xmlns:a16="http://schemas.microsoft.com/office/drawing/2014/main" id="{0FEA6DFC-1695-20F3-429F-104D0C6D4FD9}"/>
               </a:ext>
             </a:extLst>
           </p:cNvPr>
@@ -2357,7 +2357,7 @@
           <p:cNvPr id="5" name="日期占位符 4">
             <a:extLst>
               <a:ext uri="{FF2B5EF4-FFF2-40B4-BE49-F238E27FC236}">
-                <a16:creationId xmlns:a16="http://schemas.microsoft.com/office/drawing/2014/main" id="{C781BA63-D06D-3873-6874-0983415BF881}"/>
+                <a16:creationId xmlns:a16="http://schemas.microsoft.com/office/drawing/2014/main" id="{B70BE9CC-BCDE-11FF-51AF-654582C5891F}"/>
               </a:ext>
             </a:extLst>
           </p:cNvPr>
@@ -2373,7 +2373,7 @@
           <a:bodyPr/>
           <a:lstStyle/>
           <a:p>
-            <a:fld id="{ACE079C4-CB1C-420F-B200-D00EEED245A1}" type="datetimeFigureOut">
+            <a:fld id="{F36CF865-2844-41C4-AA51-9D616A4EB87F}" type="datetimeFigureOut">
               <a:rPr lang="zh-CN" altLang="en-US" smtClean="0"/>
               <a:t>2024/3/10</a:t>
             </a:fld>
@@ -2386,7 +2386,7 @@
           <p:cNvPr id="6" name="页脚占位符 5">
             <a:extLst>
               <a:ext uri="{FF2B5EF4-FFF2-40B4-BE49-F238E27FC236}">
-                <a16:creationId xmlns:a16="http://schemas.microsoft.com/office/drawing/2014/main" id="{0327215A-1A98-D58A-214D-082D3F93FD11}"/>
+                <a16:creationId xmlns:a16="http://schemas.microsoft.com/office/drawing/2014/main" id="{4063F9E5-9F3E-708D-F22A-11F412128D45}"/>
               </a:ext>
             </a:extLst>
           </p:cNvPr>
@@ -2411,7 +2411,7 @@
           <p:cNvPr id="7" name="灯片编号占位符 6">
             <a:extLst>
               <a:ext uri="{FF2B5EF4-FFF2-40B4-BE49-F238E27FC236}">
-                <a16:creationId xmlns:a16="http://schemas.microsoft.com/office/drawing/2014/main" id="{D025DE19-8DB0-D213-3B21-CDA90ECEE302}"/>
+                <a16:creationId xmlns:a16="http://schemas.microsoft.com/office/drawing/2014/main" id="{5239453D-BA17-A2BE-2472-C99CAE428275}"/>
               </a:ext>
             </a:extLst>
           </p:cNvPr>
@@ -2427,7 +2427,7 @@
           <a:bodyPr/>
           <a:lstStyle/>
           <a:p>
-            <a:fld id="{818BDCDD-B061-49DD-9BF2-ECBDB11233BE}" type="slidenum">
+            <a:fld id="{9697AEB6-03FE-410B-A946-4C5AB4791EDD}" type="slidenum">
               <a:rPr lang="zh-CN" altLang="en-US" smtClean="0"/>
               <a:t>‹#›</a:t>
             </a:fld>
@@ -2438,7 +2438,7 @@
     </p:spTree>
     <p:extLst>
       <p:ext uri="{BB962C8B-B14F-4D97-AF65-F5344CB8AC3E}">
-        <p14:creationId xmlns:p14="http://schemas.microsoft.com/office/powerpoint/2010/main" val="3232823622"/>
+        <p14:creationId xmlns:p14="http://schemas.microsoft.com/office/powerpoint/2010/main" val="1600069729"/>
       </p:ext>
     </p:extLst>
   </p:cSld>
@@ -2470,7 +2470,7 @@
           <p:cNvPr id="2" name="标题 1">
             <a:extLst>
               <a:ext uri="{FF2B5EF4-FFF2-40B4-BE49-F238E27FC236}">
-                <a16:creationId xmlns:a16="http://schemas.microsoft.com/office/drawing/2014/main" id="{181DAC14-BF88-78E4-8514-1F0BDB1B3ABD}"/>
+                <a16:creationId xmlns:a16="http://schemas.microsoft.com/office/drawing/2014/main" id="{B10A8DBA-2D43-373B-2AE4-911AE5C83677}"/>
               </a:ext>
             </a:extLst>
           </p:cNvPr>
@@ -2507,7 +2507,7 @@
           <p:cNvPr id="3" name="图片占位符 2">
             <a:extLst>
               <a:ext uri="{FF2B5EF4-FFF2-40B4-BE49-F238E27FC236}">
-                <a16:creationId xmlns:a16="http://schemas.microsoft.com/office/drawing/2014/main" id="{353C3AA0-7C9E-A976-F0C7-7BDFBB04B3E2}"/>
+                <a16:creationId xmlns:a16="http://schemas.microsoft.com/office/drawing/2014/main" id="{5175588B-0F35-2296-79BF-0E0B65BB85FC}"/>
               </a:ext>
             </a:extLst>
           </p:cNvPr>
@@ -2574,7 +2574,7 @@
           <p:cNvPr id="4" name="文本占位符 3">
             <a:extLst>
               <a:ext uri="{FF2B5EF4-FFF2-40B4-BE49-F238E27FC236}">
-                <a16:creationId xmlns:a16="http://schemas.microsoft.com/office/drawing/2014/main" id="{30435500-6881-BB63-FFD5-A35636BEFEA2}"/>
+                <a16:creationId xmlns:a16="http://schemas.microsoft.com/office/drawing/2014/main" id="{65D6E75C-A126-DFFB-1658-5DEA8A9965EB}"/>
               </a:ext>
             </a:extLst>
           </p:cNvPr>
@@ -2645,7 +2645,7 @@
           <p:cNvPr id="5" name="日期占位符 4">
             <a:extLst>
               <a:ext uri="{FF2B5EF4-FFF2-40B4-BE49-F238E27FC236}">
-                <a16:creationId xmlns:a16="http://schemas.microsoft.com/office/drawing/2014/main" id="{C4645E74-D523-21BC-D737-4F5E5AC36864}"/>
+                <a16:creationId xmlns:a16="http://schemas.microsoft.com/office/drawing/2014/main" id="{50F35746-040E-0144-2D84-CD206F4F79DF}"/>
               </a:ext>
             </a:extLst>
           </p:cNvPr>
@@ -2661,7 +2661,7 @@
           <a:bodyPr/>
           <a:lstStyle/>
           <a:p>
-            <a:fld id="{ACE079C4-CB1C-420F-B200-D00EEED245A1}" type="datetimeFigureOut">
+            <a:fld id="{F36CF865-2844-41C4-AA51-9D616A4EB87F}" type="datetimeFigureOut">
               <a:rPr lang="zh-CN" altLang="en-US" smtClean="0"/>
               <a:t>2024/3/10</a:t>
             </a:fld>
@@ -2674,7 +2674,7 @@
           <p:cNvPr id="6" name="页脚占位符 5">
             <a:extLst>
               <a:ext uri="{FF2B5EF4-FFF2-40B4-BE49-F238E27FC236}">
-                <a16:creationId xmlns:a16="http://schemas.microsoft.com/office/drawing/2014/main" id="{F4CCD84D-0823-A0AF-E98D-1978700BEEE4}"/>
+                <a16:creationId xmlns:a16="http://schemas.microsoft.com/office/drawing/2014/main" id="{9EB194A7-1DB4-53E0-DCEF-D629FEEC0DAC}"/>
               </a:ext>
             </a:extLst>
           </p:cNvPr>
@@ -2699,7 +2699,7 @@
           <p:cNvPr id="7" name="灯片编号占位符 6">
             <a:extLst>
               <a:ext uri="{FF2B5EF4-FFF2-40B4-BE49-F238E27FC236}">
-                <a16:creationId xmlns:a16="http://schemas.microsoft.com/office/drawing/2014/main" id="{7ACFF2FF-075C-8805-A4AC-81ABD16E1BE5}"/>
+                <a16:creationId xmlns:a16="http://schemas.microsoft.com/office/drawing/2014/main" id="{8AE8312B-5377-D592-652B-E3DD0A387EEF}"/>
               </a:ext>
             </a:extLst>
           </p:cNvPr>
@@ -2715,7 +2715,7 @@
           <a:bodyPr/>
           <a:lstStyle/>
           <a:p>
-            <a:fld id="{818BDCDD-B061-49DD-9BF2-ECBDB11233BE}" type="slidenum">
+            <a:fld id="{9697AEB6-03FE-410B-A946-4C5AB4791EDD}" type="slidenum">
               <a:rPr lang="zh-CN" altLang="en-US" smtClean="0"/>
               <a:t>‹#›</a:t>
             </a:fld>
@@ -2726,7 +2726,7 @@
     </p:spTree>
     <p:extLst>
       <p:ext uri="{BB962C8B-B14F-4D97-AF65-F5344CB8AC3E}">
-        <p14:creationId xmlns:p14="http://schemas.microsoft.com/office/powerpoint/2010/main" val="1776190696"/>
+        <p14:creationId xmlns:p14="http://schemas.microsoft.com/office/powerpoint/2010/main" val="4145374504"/>
       </p:ext>
     </p:extLst>
   </p:cSld>
@@ -2763,7 +2763,7 @@
           <p:cNvPr id="2" name="标题占位符 1">
             <a:extLst>
               <a:ext uri="{FF2B5EF4-FFF2-40B4-BE49-F238E27FC236}">
-                <a16:creationId xmlns:a16="http://schemas.microsoft.com/office/drawing/2014/main" id="{CD09D675-BE73-CC18-A89D-4193E34E8B68}"/>
+                <a16:creationId xmlns:a16="http://schemas.microsoft.com/office/drawing/2014/main" id="{7D306CEC-D65F-3D4C-CDDC-0543846449FA}"/>
               </a:ext>
             </a:extLst>
           </p:cNvPr>
@@ -2801,7 +2801,7 @@
           <p:cNvPr id="3" name="文本占位符 2">
             <a:extLst>
               <a:ext uri="{FF2B5EF4-FFF2-40B4-BE49-F238E27FC236}">
-                <a16:creationId xmlns:a16="http://schemas.microsoft.com/office/drawing/2014/main" id="{7244E54A-B776-C590-303D-7A0F12D1F07D}"/>
+                <a16:creationId xmlns:a16="http://schemas.microsoft.com/office/drawing/2014/main" id="{98BD3A74-5226-7A2F-8A5A-105CC950ED67}"/>
               </a:ext>
             </a:extLst>
           </p:cNvPr>
@@ -2868,7 +2868,7 @@
           <p:cNvPr id="4" name="日期占位符 3">
             <a:extLst>
               <a:ext uri="{FF2B5EF4-FFF2-40B4-BE49-F238E27FC236}">
-                <a16:creationId xmlns:a16="http://schemas.microsoft.com/office/drawing/2014/main" id="{12BAA509-C16F-6534-5E93-101F4C0D3840}"/>
+                <a16:creationId xmlns:a16="http://schemas.microsoft.com/office/drawing/2014/main" id="{44082A0A-51AB-A088-E66C-6B7756BBDAB6}"/>
               </a:ext>
             </a:extLst>
           </p:cNvPr>
@@ -2902,7 +2902,7 @@
             </a:lvl1pPr>
           </a:lstStyle>
           <a:p>
-            <a:fld id="{ACE079C4-CB1C-420F-B200-D00EEED245A1}" type="datetimeFigureOut">
+            <a:fld id="{F36CF865-2844-41C4-AA51-9D616A4EB87F}" type="datetimeFigureOut">
               <a:rPr lang="zh-CN" altLang="en-US" smtClean="0"/>
               <a:t>2024/3/10</a:t>
             </a:fld>
@@ -2915,7 +2915,7 @@
           <p:cNvPr id="5" name="页脚占位符 4">
             <a:extLst>
               <a:ext uri="{FF2B5EF4-FFF2-40B4-BE49-F238E27FC236}">
-                <a16:creationId xmlns:a16="http://schemas.microsoft.com/office/drawing/2014/main" id="{257E2DD1-C1B6-0E7F-06EC-3545645C98F9}"/>
+                <a16:creationId xmlns:a16="http://schemas.microsoft.com/office/drawing/2014/main" id="{8592DD99-F766-1702-F436-5F91AD183109}"/>
               </a:ext>
             </a:extLst>
           </p:cNvPr>
@@ -2958,7 +2958,7 @@
           <p:cNvPr id="6" name="灯片编号占位符 5">
             <a:extLst>
               <a:ext uri="{FF2B5EF4-FFF2-40B4-BE49-F238E27FC236}">
-                <a16:creationId xmlns:a16="http://schemas.microsoft.com/office/drawing/2014/main" id="{BBB04E2F-D3A2-790F-A9AC-C4D9C2AD1A90}"/>
+                <a16:creationId xmlns:a16="http://schemas.microsoft.com/office/drawing/2014/main" id="{FD8911FA-0348-100A-C9BD-19127C274ADF}"/>
               </a:ext>
             </a:extLst>
           </p:cNvPr>
@@ -2992,7 +2992,7 @@
             </a:lvl1pPr>
           </a:lstStyle>
           <a:p>
-            <a:fld id="{818BDCDD-B061-49DD-9BF2-ECBDB11233BE}" type="slidenum">
+            <a:fld id="{9697AEB6-03FE-410B-A946-4C5AB4791EDD}" type="slidenum">
               <a:rPr lang="zh-CN" altLang="en-US" smtClean="0"/>
               <a:t>‹#›</a:t>
             </a:fld>
@@ -3003,7 +3003,7 @@
     </p:spTree>
     <p:extLst>
       <p:ext uri="{BB962C8B-B14F-4D97-AF65-F5344CB8AC3E}">
-        <p14:creationId xmlns:p14="http://schemas.microsoft.com/office/powerpoint/2010/main" val="3547494380"/>
+        <p14:creationId xmlns:p14="http://schemas.microsoft.com/office/powerpoint/2010/main" val="2301204961"/>
       </p:ext>
     </p:extLst>
   </p:cSld>
@@ -3323,7 +3323,7 @@
       </p:grpSpPr>
       <p:pic>
         <p:nvPicPr>
-          <p:cNvPr id="624642" name="Picture 2" descr="609"/>
+          <p:cNvPr id="625666" name="Picture 2" descr="610"/>
           <p:cNvPicPr>
             <a:picLocks noChangeAspect="1" noChangeArrowheads="1"/>
           </p:cNvPicPr>
@@ -3344,8 +3344,8 @@
         </p:blipFill>
         <p:spPr bwMode="auto">
           <a:xfrm>
-            <a:off x="1524000" y="0"/>
-            <a:ext cx="9144000" cy="6858000"/>
+            <a:off x="1524000" y="1"/>
+            <a:ext cx="9144000" cy="5013325"/>
           </a:xfrm>
           <a:prstGeom prst="rect">
             <a:avLst/>
